--- a/Cosa abbiamo fatto.pptx
+++ b/Cosa abbiamo fatto.pptx
@@ -131,7 +131,7 @@
   <pc:docChgLst>
     <pc:chgData name="Jacopo Lazzari" userId="52815a9a376fd39c" providerId="LiveId" clId="{46DAEECC-C8CF-4180-BE9D-39ADEEA4BAB8}"/>
     <pc:docChg chg="undo custSel modSld">
-      <pc:chgData name="Jacopo Lazzari" userId="52815a9a376fd39c" providerId="LiveId" clId="{46DAEECC-C8CF-4180-BE9D-39ADEEA4BAB8}" dt="2022-05-10T10:07:34.551" v="156" actId="20577"/>
+      <pc:chgData name="Jacopo Lazzari" userId="52815a9a376fd39c" providerId="LiveId" clId="{46DAEECC-C8CF-4180-BE9D-39ADEEA4BAB8}" dt="2022-05-13T15:27:49.276" v="362" actId="27636"/>
       <pc:docMkLst>
         <pc:docMk/>
       </pc:docMkLst>
@@ -174,13 +174,13 @@
         </pc:graphicFrameChg>
       </pc:sldChg>
       <pc:sldChg chg="modSp mod">
-        <pc:chgData name="Jacopo Lazzari" userId="52815a9a376fd39c" providerId="LiveId" clId="{46DAEECC-C8CF-4180-BE9D-39ADEEA4BAB8}" dt="2022-05-10T10:07:34.551" v="156" actId="20577"/>
+        <pc:chgData name="Jacopo Lazzari" userId="52815a9a376fd39c" providerId="LiveId" clId="{46DAEECC-C8CF-4180-BE9D-39ADEEA4BAB8}" dt="2022-05-13T15:27:49.276" v="362" actId="27636"/>
         <pc:sldMkLst>
           <pc:docMk/>
           <pc:sldMk cId="2255350506" sldId="259"/>
         </pc:sldMkLst>
         <pc:spChg chg="mod">
-          <ac:chgData name="Jacopo Lazzari" userId="52815a9a376fd39c" providerId="LiveId" clId="{46DAEECC-C8CF-4180-BE9D-39ADEEA4BAB8}" dt="2022-05-10T10:07:34.551" v="156" actId="20577"/>
+          <ac:chgData name="Jacopo Lazzari" userId="52815a9a376fd39c" providerId="LiveId" clId="{46DAEECC-C8CF-4180-BE9D-39ADEEA4BAB8}" dt="2022-05-13T15:27:49.276" v="362" actId="27636"/>
           <ac:spMkLst>
             <pc:docMk/>
             <pc:sldMk cId="2255350506" sldId="259"/>
@@ -340,7 +340,7 @@
           <a:p>
             <a:fld id="{73C5BA18-CAA3-4C3D-97ED-DD7EF997E865}" type="datetimeFigureOut">
               <a:rPr lang="it-IT" smtClean="0"/>
-              <a:t>10/05/2022</a:t>
+              <a:t>13/05/2022</a:t>
             </a:fld>
             <a:endParaRPr lang="it-IT"/>
           </a:p>
@@ -538,7 +538,7 @@
           <a:p>
             <a:fld id="{73C5BA18-CAA3-4C3D-97ED-DD7EF997E865}" type="datetimeFigureOut">
               <a:rPr lang="it-IT" smtClean="0"/>
-              <a:t>10/05/2022</a:t>
+              <a:t>13/05/2022</a:t>
             </a:fld>
             <a:endParaRPr lang="it-IT"/>
           </a:p>
@@ -746,7 +746,7 @@
           <a:p>
             <a:fld id="{73C5BA18-CAA3-4C3D-97ED-DD7EF997E865}" type="datetimeFigureOut">
               <a:rPr lang="it-IT" smtClean="0"/>
-              <a:t>10/05/2022</a:t>
+              <a:t>13/05/2022</a:t>
             </a:fld>
             <a:endParaRPr lang="it-IT"/>
           </a:p>
@@ -944,7 +944,7 @@
           <a:p>
             <a:fld id="{73C5BA18-CAA3-4C3D-97ED-DD7EF997E865}" type="datetimeFigureOut">
               <a:rPr lang="it-IT" smtClean="0"/>
-              <a:t>10/05/2022</a:t>
+              <a:t>13/05/2022</a:t>
             </a:fld>
             <a:endParaRPr lang="it-IT"/>
           </a:p>
@@ -1219,7 +1219,7 @@
           <a:p>
             <a:fld id="{73C5BA18-CAA3-4C3D-97ED-DD7EF997E865}" type="datetimeFigureOut">
               <a:rPr lang="it-IT" smtClean="0"/>
-              <a:t>10/05/2022</a:t>
+              <a:t>13/05/2022</a:t>
             </a:fld>
             <a:endParaRPr lang="it-IT"/>
           </a:p>
@@ -1484,7 +1484,7 @@
           <a:p>
             <a:fld id="{73C5BA18-CAA3-4C3D-97ED-DD7EF997E865}" type="datetimeFigureOut">
               <a:rPr lang="it-IT" smtClean="0"/>
-              <a:t>10/05/2022</a:t>
+              <a:t>13/05/2022</a:t>
             </a:fld>
             <a:endParaRPr lang="it-IT"/>
           </a:p>
@@ -1896,7 +1896,7 @@
           <a:p>
             <a:fld id="{73C5BA18-CAA3-4C3D-97ED-DD7EF997E865}" type="datetimeFigureOut">
               <a:rPr lang="it-IT" smtClean="0"/>
-              <a:t>10/05/2022</a:t>
+              <a:t>13/05/2022</a:t>
             </a:fld>
             <a:endParaRPr lang="it-IT"/>
           </a:p>
@@ -2037,7 +2037,7 @@
           <a:p>
             <a:fld id="{73C5BA18-CAA3-4C3D-97ED-DD7EF997E865}" type="datetimeFigureOut">
               <a:rPr lang="it-IT" smtClean="0"/>
-              <a:t>10/05/2022</a:t>
+              <a:t>13/05/2022</a:t>
             </a:fld>
             <a:endParaRPr lang="it-IT"/>
           </a:p>
@@ -2150,7 +2150,7 @@
           <a:p>
             <a:fld id="{73C5BA18-CAA3-4C3D-97ED-DD7EF997E865}" type="datetimeFigureOut">
               <a:rPr lang="it-IT" smtClean="0"/>
-              <a:t>10/05/2022</a:t>
+              <a:t>13/05/2022</a:t>
             </a:fld>
             <a:endParaRPr lang="it-IT"/>
           </a:p>
@@ -2461,7 +2461,7 @@
           <a:p>
             <a:fld id="{73C5BA18-CAA3-4C3D-97ED-DD7EF997E865}" type="datetimeFigureOut">
               <a:rPr lang="it-IT" smtClean="0"/>
-              <a:t>10/05/2022</a:t>
+              <a:t>13/05/2022</a:t>
             </a:fld>
             <a:endParaRPr lang="it-IT"/>
           </a:p>
@@ -2749,7 +2749,7 @@
           <a:p>
             <a:fld id="{73C5BA18-CAA3-4C3D-97ED-DD7EF997E865}" type="datetimeFigureOut">
               <a:rPr lang="it-IT" smtClean="0"/>
-              <a:t>10/05/2022</a:t>
+              <a:t>13/05/2022</a:t>
             </a:fld>
             <a:endParaRPr lang="it-IT"/>
           </a:p>
@@ -2990,7 +2990,7 @@
           <a:p>
             <a:fld id="{73C5BA18-CAA3-4C3D-97ED-DD7EF997E865}" type="datetimeFigureOut">
               <a:rPr lang="it-IT" smtClean="0"/>
-              <a:t>10/05/2022</a:t>
+              <a:t>13/05/2022</a:t>
             </a:fld>
             <a:endParaRPr lang="it-IT"/>
           </a:p>
@@ -4389,16 +4389,29 @@
           </a:xfrm>
         </p:spPr>
         <p:txBody>
-          <a:bodyPr/>
-          <a:lstStyle/>
-          <a:p>
+          <a:bodyPr>
+            <a:normAutofit/>
+          </a:bodyPr>
+          <a:lstStyle/>
+          <a:p>
+            <a:pPr marL="457200" lvl="1" indent="0">
+              <a:buNone/>
+            </a:pPr>
             <a:r>
               <a:rPr lang="it-IT" dirty="0"/>
-              <a:t>9/5-15/5: definire ordine </a:t>
+              <a:t>9/5-15/5: trovare parametri per </a:t>
             </a:r>
             <a:r>
               <a:rPr lang="it-IT" dirty="0" err="1"/>
-              <a:t>pyulear</a:t>
+              <a:t>logistic</a:t>
+            </a:r>
+            <a:r>
+              <a:rPr lang="it-IT" dirty="0"/>
+              <a:t> </a:t>
+            </a:r>
+            <a:r>
+              <a:rPr lang="it-IT" dirty="0" err="1"/>
+              <a:t>regression</a:t>
             </a:r>
             <a:r>
               <a:rPr lang="it-IT" dirty="0"/>
@@ -4408,35 +4421,42 @@
               <a:rPr lang="it-IT" dirty="0" err="1"/>
               <a:t>methods</a:t>
             </a:r>
-            <a:endParaRPr lang="it-IT" dirty="0"/>
-          </a:p>
-          <a:p>
             <a:r>
               <a:rPr lang="it-IT" dirty="0"/>
-              <a:t>16/5-22/5: definire risultati</a:t>
-            </a:r>
-          </a:p>
-          <a:p>
+              <a:t> e SOA</a:t>
+            </a:r>
+          </a:p>
+          <a:p>
+            <a:pPr marL="457200" lvl="1" indent="0">
+              <a:buNone/>
+            </a:pPr>
             <a:r>
               <a:rPr lang="it-IT" dirty="0"/>
-              <a:t>23/5-29/5: preparare </a:t>
-            </a:r>
-            <a:r>
-              <a:rPr lang="it-IT"/>
-              <a:t>una bozza </a:t>
-            </a:r>
+              <a:t>16/5-22/5: definire risultati e preparare prima bozza del paper</a:t>
+            </a:r>
+          </a:p>
+          <a:p>
+            <a:pPr marL="457200" lvl="1" indent="0">
+              <a:buNone/>
+            </a:pPr>
             <a:r>
               <a:rPr lang="it-IT" dirty="0"/>
-              <a:t>del paper</a:t>
-            </a:r>
-          </a:p>
-          <a:p>
+              <a:t>23/5-29/5: seconda bozza</a:t>
+            </a:r>
+          </a:p>
+          <a:p>
+            <a:pPr marL="457200" lvl="1" indent="0">
+              <a:buNone/>
+            </a:pPr>
             <a:r>
               <a:rPr lang="it-IT" dirty="0"/>
               <a:t>30/5-8/6: rifinire il paper</a:t>
             </a:r>
           </a:p>
           <a:p>
+            <a:pPr marL="457200" lvl="1" indent="0">
+              <a:buNone/>
+            </a:pPr>
             <a:endParaRPr lang="it-IT" dirty="0"/>
           </a:p>
         </p:txBody>
